--- a/SHORTEST PATH Algomen.pptx
+++ b/SHORTEST PATH Algomen.pptx
@@ -8590,15 +8590,27 @@
                 <a:latin typeface="Bell MT" pitchFamily="18" charset="0"/>
                 <a:cs typeface="Times New Roman" pitchFamily="18" charset="0"/>
               </a:rPr>
-              <a:t>Gif: https</a:t>
-            </a:r>
-            <a:r>
-              <a:rPr lang="en-US" sz="2400" dirty="0">
+              <a:t>Gif: </a:t>
+            </a:r>
+            <a:r>
+              <a:rPr lang="en-US" sz="2400" dirty="0" smtClean="0">
                 <a:solidFill>
                   <a:srgbClr val="00B0F0"/>
                 </a:solidFill>
                 <a:latin typeface="Bell MT" pitchFamily="18" charset="0"/>
                 <a:cs typeface="Times New Roman" pitchFamily="18" charset="0"/>
+                <a:hlinkClick r:id="rId3"/>
+              </a:rPr>
+              <a:t>https</a:t>
+            </a:r>
+            <a:r>
+              <a:rPr lang="en-US" sz="2400" dirty="0">
+                <a:solidFill>
+                  <a:srgbClr val="00B0F0"/>
+                </a:solidFill>
+                <a:latin typeface="Bell MT" pitchFamily="18" charset="0"/>
+                <a:cs typeface="Times New Roman" pitchFamily="18" charset="0"/>
+                <a:hlinkClick r:id="rId3"/>
               </a:rPr>
               <a:t>://drive.google.com/drive/folders/13W2GZKHRodoSSOcLbwWxK61MigXJRUrL?usp=sharing</a:t>
             </a:r>
@@ -42868,15 +42880,27 @@
                 <a:latin typeface="Bell MT" pitchFamily="18" charset="0"/>
                 <a:cs typeface="Arial"/>
               </a:rPr>
-              <a:t>: https</a:t>
-            </a:r>
-            <a:r>
-              <a:rPr lang="en-US" sz="2800" dirty="0">
+              <a:t>: </a:t>
+            </a:r>
+            <a:r>
+              <a:rPr lang="en-US" sz="2800" dirty="0" smtClean="0">
                 <a:solidFill>
                   <a:srgbClr val="00B0F0"/>
                 </a:solidFill>
                 <a:latin typeface="Bell MT" pitchFamily="18" charset="0"/>
                 <a:cs typeface="Arial"/>
+                <a:hlinkClick r:id="rId4"/>
+              </a:rPr>
+              <a:t>https</a:t>
+            </a:r>
+            <a:r>
+              <a:rPr lang="en-US" sz="2800" dirty="0">
+                <a:solidFill>
+                  <a:srgbClr val="00B0F0"/>
+                </a:solidFill>
+                <a:latin typeface="Bell MT" pitchFamily="18" charset="0"/>
+                <a:cs typeface="Arial"/>
+                <a:hlinkClick r:id="rId4"/>
               </a:rPr>
               <a:t>://drive.google.com/drive/folders/1S7sY4jWE29hvo9_DolZS5-yhzcuXMTp_?usp=sharing</a:t>
             </a:r>
@@ -44698,7 +44722,18 @@
                 <a:latin typeface="Bell MT" pitchFamily="18" charset="0"/>
                 <a:cs typeface="Arial"/>
               </a:rPr>
-              <a:t>Gif: https://drive.google.com/drive/folders/1ppboprlLA8NMHf3cf2_qMyodLfGZR3v0?usp=sharing</a:t>
+              <a:t>Gif: </a:t>
+            </a:r>
+            <a:r>
+              <a:rPr lang="en-US" sz="2800" spc="-20" dirty="0">
+                <a:solidFill>
+                  <a:srgbClr val="00B0F0"/>
+                </a:solidFill>
+                <a:latin typeface="Bell MT" pitchFamily="18" charset="0"/>
+                <a:cs typeface="Arial"/>
+                <a:hlinkClick r:id="rId5"/>
+              </a:rPr>
+              <a:t>https://drive.google.com/drive/folders/1ppboprlLA8NMHf3cf2_qMyodLfGZR3v0?usp=sharing</a:t>
             </a:r>
             <a:endParaRPr lang="en-US" sz="2800" spc="-20" dirty="0" smtClean="0">
               <a:solidFill>
